--- a/Trunk/Getting Started Material/DCAF Training/0 DCAF Training Overview.pptx
+++ b/Trunk/Getting Started Material/DCAF Training/0 DCAF Training Overview.pptx
@@ -202,7 +202,7 @@
           <a:p>
             <a:fld id="{445CFDCD-1EB9-4FA8-B5ED-6EEF8583FCAB}" type="datetimeFigureOut">
               <a:rPr lang="en-US" smtClean="0"/>
-              <a:t>2018-07-03</a:t>
+              <a:t>7/16/2018</a:t>
             </a:fld>
             <a:endParaRPr lang="en-US"/>
           </a:p>
@@ -3815,7 +3815,7 @@
           <a:p>
             <a:fld id="{0214B356-6C48-45E0-AD1F-29853C33B328}" type="datetimeFigureOut">
               <a:rPr lang="en-US" smtClean="0"/>
-              <a:t>2018-07-03</a:t>
+              <a:t>7/16/2018</a:t>
             </a:fld>
             <a:endParaRPr lang="en-US"/>
           </a:p>
